--- a/Business Knowledge/Retail Banking.pptx
+++ b/Business Knowledge/Retail Banking.pptx
@@ -2974,10 +2974,10 @@
               <a:buNone/>
             </a:pPr>
             <a:r>
-              <a:rPr lang="en-GB" altLang="en-US"/>
+              <a:rPr lang="en-GB" altLang="en-US" sz="2000"/>
               <a:t>Retail Banking also known as consumer banking, is the provision of services by the Bank to the general public.</a:t>
             </a:r>
-            <a:endParaRPr lang="en-GB" altLang="en-US"/>
+            <a:endParaRPr lang="en-GB" altLang="en-US" sz="2000"/>
           </a:p>
           <a:p>
             <a:pPr marL="0" indent="0">
@@ -2986,7 +2986,7 @@
               </a:lnSpc>
               <a:buNone/>
             </a:pPr>
-            <a:endParaRPr lang="en-GB" altLang="en-US"/>
+            <a:endParaRPr lang="en-GB" altLang="en-US" sz="2000"/>
           </a:p>
           <a:p>
             <a:pPr marL="0" indent="0">
@@ -2996,10 +2996,23 @@
               <a:buNone/>
             </a:pPr>
             <a:r>
-              <a:rPr lang="en-GB" altLang="en-US"/>
-              <a:t>Banking services which are regarded as retail include provision of savings and transactional accounts, mortgages, personal loans, personal current accounts, debit cards and credit cards</a:t>
-            </a:r>
-            <a:endParaRPr lang="en-GB" altLang="en-US"/>
+              <a:rPr lang="en-GB" altLang="en-US" sz="2000" b="1">
+                <a:solidFill>
+                  <a:srgbClr val="00B050"/>
+                </a:solidFill>
+                <a:sym typeface="+mn-ea"/>
+              </a:rPr>
+              <a:t>Clients worked for:</a:t>
+            </a:r>
+            <a:r>
+              <a:rPr lang="en-GB" altLang="en-US" sz="2000">
+                <a:sym typeface="+mn-ea"/>
+              </a:rPr>
+              <a:t> RBS, Tesco Bank </a:t>
+            </a:r>
+            <a:endParaRPr lang="en-GB" altLang="en-US" sz="2000">
+              <a:sym typeface="+mn-ea"/>
+            </a:endParaRPr>
           </a:p>
           <a:p>
             <a:pPr marL="0" indent="0">
@@ -3008,7 +3021,15 @@
               </a:lnSpc>
               <a:buNone/>
             </a:pPr>
-            <a:endParaRPr lang="en-GB" altLang="en-US"/>
+            <a:r>
+              <a:rPr lang="en-GB" altLang="en-US" sz="2000">
+                <a:sym typeface="+mn-ea"/>
+              </a:rPr>
+              <a:t>RBS client aimed at:</a:t>
+            </a:r>
+            <a:endParaRPr lang="en-GB" altLang="en-US" sz="2000">
+              <a:sym typeface="+mn-ea"/>
+            </a:endParaRPr>
           </a:p>
           <a:p>
             <a:pPr marL="0" indent="0">
@@ -3018,18 +3039,94 @@
               <a:buNone/>
             </a:pPr>
             <a:r>
-              <a:rPr lang="en-GB" altLang="en-US" b="1">
-                <a:solidFill>
-                  <a:srgbClr val="00B050"/>
-                </a:solidFill>
+              <a:rPr lang="en-GB" altLang="en-US" sz="2000">
+                <a:sym typeface="+mn-ea"/>
               </a:rPr>
-              <a:t>Clients worked for:</a:t>
-            </a:r>
-            <a:r>
-              <a:rPr lang="en-GB" altLang="en-US"/>
-              <a:t> RBS, Tesco Bank </a:t>
-            </a:r>
-            <a:endParaRPr lang="en-GB" altLang="en-US"/>
+              <a:t>A Single sign-on solution replacing card-readers for authentication with one time passcode (OTP).</a:t>
+            </a:r>
+            <a:endParaRPr lang="en-GB" altLang="en-US" sz="2000">
+              <a:sym typeface="+mn-ea"/>
+            </a:endParaRPr>
+          </a:p>
+          <a:p>
+            <a:pPr marL="0" indent="0">
+              <a:lnSpc>
+                <a:spcPct val="100000"/>
+              </a:lnSpc>
+              <a:buNone/>
+            </a:pPr>
+            <a:r>
+              <a:rPr lang="en-GB" altLang="en-US" sz="2000">
+                <a:sym typeface="+mn-ea"/>
+              </a:rPr>
+              <a:t>A paperless secure messaging aimed at establishing paperless office.</a:t>
+            </a:r>
+            <a:endParaRPr lang="en-GB" altLang="en-US" sz="2000">
+              <a:sym typeface="+mn-ea"/>
+            </a:endParaRPr>
+          </a:p>
+          <a:p>
+            <a:pPr marL="0" indent="0">
+              <a:lnSpc>
+                <a:spcPct val="100000"/>
+              </a:lnSpc>
+              <a:buNone/>
+            </a:pPr>
+            <a:endParaRPr lang="en-GB" altLang="en-US" sz="2000">
+              <a:sym typeface="+mn-ea"/>
+            </a:endParaRPr>
+          </a:p>
+          <a:p>
+            <a:pPr marL="0" indent="0">
+              <a:lnSpc>
+                <a:spcPct val="100000"/>
+              </a:lnSpc>
+              <a:buNone/>
+            </a:pPr>
+            <a:r>
+              <a:rPr lang="en-GB" altLang="en-US" sz="2000">
+                <a:sym typeface="+mn-ea"/>
+              </a:rPr>
+              <a:t>Tesco Bank aimed at:</a:t>
+            </a:r>
+            <a:endParaRPr lang="en-GB" altLang="en-US" sz="2000">
+              <a:sym typeface="+mn-ea"/>
+            </a:endParaRPr>
+          </a:p>
+          <a:p>
+            <a:pPr marL="0" indent="0">
+              <a:lnSpc>
+                <a:spcPct val="100000"/>
+              </a:lnSpc>
+              <a:buNone/>
+            </a:pPr>
+            <a:r>
+              <a:rPr lang="en-GB" altLang="en-US" sz="2000"/>
+              <a:t>Enabling users to sign up to personal current accounts via web and mobile.</a:t>
+            </a:r>
+            <a:endParaRPr lang="en-GB" altLang="en-US" sz="2000"/>
+          </a:p>
+          <a:p>
+            <a:pPr marL="0" indent="0">
+              <a:lnSpc>
+                <a:spcPct val="100000"/>
+              </a:lnSpc>
+              <a:buNone/>
+            </a:pPr>
+            <a:r>
+              <a:rPr lang="en-GB" altLang="en-US" sz="2000"/>
+              <a:t>Single sign-on one time authentication to access both Bank and Plc applications under one roof.</a:t>
+            </a:r>
+            <a:endParaRPr lang="en-GB" altLang="en-US" sz="2000"/>
+          </a:p>
+          <a:p>
+            <a:pPr marL="0" indent="0">
+              <a:lnSpc>
+                <a:spcPct val="100000"/>
+              </a:lnSpc>
+              <a:buNone/>
+            </a:pPr>
+            <a:endParaRPr lang="en-GB" altLang="en-US" sz="2000"/>
           </a:p>
         </p:txBody>
       </p:sp>
